--- a/ParallelCC.pptx
+++ b/ParallelCC.pptx
@@ -9,6 +9,7 @@
     <p:sldId id="257" r:id="rId3"/>
     <p:sldId id="258" r:id="rId4"/>
     <p:sldId id="259" r:id="rId5"/>
+    <p:sldId id="260" r:id="rId6"/>
   </p:sldIdLst>
   <p:sldSz cx="12192000" cy="6858000"/>
   <p:notesSz cx="6858000" cy="9144000"/>
@@ -8041,11 +8042,18 @@
           <a:p>
             <a:r>
               <a:rPr lang="en-US" dirty="0" smtClean="0"/>
-              <a:t>First approach: each Core starts at a different Node, </a:t>
-            </a:r>
-            <a:br>
+              <a:t>Possible approach: </a:t>
+            </a:r>
+          </a:p>
+          <a:p>
+            <a:pPr lvl="1"/>
+            <a:r>
               <a:rPr lang="en-US" dirty="0" smtClean="0"/>
-            </a:br>
+              <a:t>each Core starts at a different Node</a:t>
+            </a:r>
+          </a:p>
+          <a:p>
+            <a:pPr lvl="1"/>
             <a:r>
               <a:rPr lang="en-US" dirty="0" smtClean="0"/>
               <a:t>mark visited nodes to prevent duplicate work.</a:t>
@@ -8053,12 +8061,6 @@
           </a:p>
           <a:p>
             <a:endParaRPr lang="en-US" dirty="0"/>
-          </a:p>
-          <a:p>
-            <a:r>
-              <a:rPr lang="en-US" dirty="0" smtClean="0"/>
-              <a:t>Atomic operations vs. no lock</a:t>
-            </a:r>
           </a:p>
           <a:p>
             <a:endParaRPr lang="en-US" dirty="0"/>
@@ -8110,6 +8112,123 @@
     <p:extLst>
       <p:ext uri="{BB962C8B-B14F-4D97-AF65-F5344CB8AC3E}">
         <p14:creationId xmlns:p14="http://schemas.microsoft.com/office/powerpoint/2010/main" val="3732296598"/>
+      </p:ext>
+    </p:extLst>
+  </p:cSld>
+  <p:clrMapOvr>
+    <a:masterClrMapping/>
+  </p:clrMapOvr>
+</p:sld>
+</file>
+
+<file path=ppt/slides/slide5.xml><?xml version="1.0" encoding="utf-8"?>
+<p:sld xmlns:a="http://schemas.openxmlformats.org/drawingml/2006/main" xmlns:r="http://schemas.openxmlformats.org/officeDocument/2006/relationships" xmlns:p="http://schemas.openxmlformats.org/presentationml/2006/main">
+  <p:cSld>
+    <p:spTree>
+      <p:nvGrpSpPr>
+        <p:cNvPr id="1" name=""/>
+        <p:cNvGrpSpPr/>
+        <p:nvPr/>
+      </p:nvGrpSpPr>
+      <p:grpSpPr>
+        <a:xfrm>
+          <a:off x="0" y="0"/>
+          <a:ext cx="0" cy="0"/>
+          <a:chOff x="0" y="0"/>
+          <a:chExt cx="0" cy="0"/>
+        </a:xfrm>
+      </p:grpSpPr>
+      <p:sp>
+        <p:nvSpPr>
+          <p:cNvPr id="2" name="Titel 1"/>
+          <p:cNvSpPr>
+            <a:spLocks noGrp="1"/>
+          </p:cNvSpPr>
+          <p:nvPr>
+            <p:ph type="title"/>
+          </p:nvPr>
+        </p:nvSpPr>
+        <p:spPr/>
+        <p:txBody>
+          <a:bodyPr/>
+          <a:lstStyle/>
+          <a:p>
+            <a:r>
+              <a:rPr lang="de-CH" dirty="0" err="1" smtClean="0"/>
+              <a:t>OpenMP</a:t>
+            </a:r>
+            <a:endParaRPr lang="de-CH" dirty="0"/>
+          </a:p>
+        </p:txBody>
+      </p:sp>
+      <p:sp>
+        <p:nvSpPr>
+          <p:cNvPr id="3" name="Inhaltsplatzhalter 2"/>
+          <p:cNvSpPr>
+            <a:spLocks noGrp="1"/>
+          </p:cNvSpPr>
+          <p:nvPr>
+            <p:ph idx="1"/>
+          </p:nvPr>
+        </p:nvSpPr>
+        <p:spPr/>
+        <p:txBody>
+          <a:bodyPr/>
+          <a:lstStyle/>
+          <a:p>
+            <a:r>
+              <a:rPr lang="en-US" dirty="0" smtClean="0"/>
+              <a:t>How to make sure each cache has the same data?</a:t>
+            </a:r>
+          </a:p>
+          <a:p>
+            <a:pPr lvl="1"/>
+            <a:r>
+              <a:rPr lang="en-US" dirty="0" smtClean="0"/>
+              <a:t>Don’t! (Hardware will take care of it eventually)</a:t>
+            </a:r>
+          </a:p>
+          <a:p>
+            <a:pPr lvl="2"/>
+            <a:r>
+              <a:rPr lang="en-US" dirty="0" smtClean="0"/>
+              <a:t>Might lead to duplicate work.</a:t>
+            </a:r>
+          </a:p>
+          <a:p>
+            <a:pPr lvl="1"/>
+            <a:r>
+              <a:rPr lang="en-US" dirty="0" smtClean="0"/>
+              <a:t>Use atomic operations</a:t>
+            </a:r>
+          </a:p>
+          <a:p>
+            <a:pPr lvl="2"/>
+            <a:r>
+              <a:rPr lang="en-US" dirty="0" smtClean="0"/>
+              <a:t>Might be slow.</a:t>
+            </a:r>
+          </a:p>
+          <a:p>
+            <a:pPr lvl="1"/>
+            <a:r>
+              <a:rPr lang="en-US" dirty="0" smtClean="0"/>
+              <a:t>Use Locks</a:t>
+            </a:r>
+          </a:p>
+          <a:p>
+            <a:r>
+              <a:rPr lang="en-US" dirty="0" smtClean="0"/>
+              <a:t>Which one is fastest?</a:t>
+            </a:r>
+            <a:endParaRPr lang="en-US" dirty="0"/>
+          </a:p>
+        </p:txBody>
+      </p:sp>
+    </p:spTree>
+    <p:extLst>
+      <p:ext uri="{BB962C8B-B14F-4D97-AF65-F5344CB8AC3E}">
+        <p14:creationId xmlns:p14="http://schemas.microsoft.com/office/powerpoint/2010/main" val="1269038252"/>
       </p:ext>
     </p:extLst>
   </p:cSld>

--- a/ParallelCC.pptx
+++ b/ParallelCC.pptx
@@ -108,6 +108,11 @@
       </a:defRPr>
     </a:lvl9pPr>
   </p:defaultTextStyle>
+  <p:extLst>
+    <p:ext uri="{EFAFB233-063F-42B5-8137-9DF3F51BA10A}">
+      <p15:sldGuideLst xmlns:p15="http://schemas.microsoft.com/office/powerpoint/2012/main"/>
+    </p:ext>
+  </p:extLst>
 </p:presentation>
 </file>
 
@@ -8042,22 +8047,53 @@
           <a:p>
             <a:r>
               <a:rPr lang="en-US" dirty="0" smtClean="0"/>
-              <a:t>Possible approach: </a:t>
+              <a:t>First approach</a:t>
+            </a:r>
+            <a:r>
+              <a:rPr lang="en-US" dirty="0" smtClean="0"/>
+              <a:t>: </a:t>
             </a:r>
           </a:p>
           <a:p>
             <a:pPr lvl="1"/>
             <a:r>
               <a:rPr lang="en-US" dirty="0" smtClean="0"/>
-              <a:t>each Core starts at a different Node</a:t>
-            </a:r>
+              <a:t>each Core starts at a different </a:t>
+            </a:r>
+            <a:r>
+              <a:rPr lang="en-US" dirty="0" smtClean="0"/>
+              <a:t>Node BFS</a:t>
+            </a:r>
+            <a:endParaRPr lang="en-US" dirty="0" smtClean="0"/>
           </a:p>
           <a:p>
             <a:pPr lvl="1"/>
             <a:r>
               <a:rPr lang="en-US" dirty="0" smtClean="0"/>
-              <a:t>mark visited nodes to prevent duplicate work.</a:t>
-            </a:r>
+              <a:t>mark visited nodes to prevent duplicate work</a:t>
+            </a:r>
+            <a:r>
+              <a:rPr lang="en-US" dirty="0" smtClean="0"/>
+              <a:t>.</a:t>
+            </a:r>
+          </a:p>
+          <a:p>
+            <a:pPr lvl="1"/>
+            <a:endParaRPr lang="en-US" dirty="0"/>
+          </a:p>
+          <a:p>
+            <a:r>
+              <a:rPr lang="en-US" dirty="0" smtClean="0"/>
+              <a:t>Second approach</a:t>
+            </a:r>
+          </a:p>
+          <a:p>
+            <a:pPr lvl="1"/>
+            <a:r>
+              <a:rPr lang="en-US" smtClean="0"/>
+              <a:t>Union find</a:t>
+            </a:r>
+            <a:endParaRPr lang="en-US" dirty="0" smtClean="0"/>
           </a:p>
           <a:p>
             <a:endParaRPr lang="en-US" dirty="0"/>
